--- a/docs/presentations/no_barriers.pptx
+++ b/docs/presentations/no_barriers.pptx
@@ -226,7 +226,7 @@
           <a:p>
             <a:fld id="{4C89D623-6C7D-1845-8AFD-D12C66169221}" type="datetimeFigureOut">
               <a:rPr lang="en-US" smtClean="0"/>
-              <a:t>7/6/2019</a:t>
+              <a:t>7/7/2019</a:t>
             </a:fld>
             <a:endParaRPr lang="en-US"/>
           </a:p>
@@ -1530,7 +1530,7 @@
           <a:p>
             <a:fld id="{86CB87AA-9B5D-BB42-A7DA-076F5DD26030}" type="datetimeFigureOut">
               <a:rPr lang="en-US" smtClean="0"/>
-              <a:t>7/6/2019</a:t>
+              <a:t>7/7/2019</a:t>
             </a:fld>
             <a:endParaRPr lang="en-US"/>
           </a:p>
@@ -1693,7 +1693,7 @@
           <a:p>
             <a:fld id="{86CB87AA-9B5D-BB42-A7DA-076F5DD26030}" type="datetimeFigureOut">
               <a:rPr lang="en-US" smtClean="0"/>
-              <a:t>7/6/2019</a:t>
+              <a:t>7/7/2019</a:t>
             </a:fld>
             <a:endParaRPr lang="en-US"/>
           </a:p>
@@ -1866,7 +1866,7 @@
           <a:p>
             <a:fld id="{86CB87AA-9B5D-BB42-A7DA-076F5DD26030}" type="datetimeFigureOut">
               <a:rPr lang="en-US" smtClean="0"/>
-              <a:t>7/6/2019</a:t>
+              <a:t>7/7/2019</a:t>
             </a:fld>
             <a:endParaRPr lang="en-US"/>
           </a:p>
@@ -2029,7 +2029,7 @@
           <a:p>
             <a:fld id="{86CB87AA-9B5D-BB42-A7DA-076F5DD26030}" type="datetimeFigureOut">
               <a:rPr lang="en-US" smtClean="0"/>
-              <a:t>7/6/2019</a:t>
+              <a:t>7/7/2019</a:t>
             </a:fld>
             <a:endParaRPr lang="en-US"/>
           </a:p>
@@ -2269,7 +2269,7 @@
           <a:p>
             <a:fld id="{86CB87AA-9B5D-BB42-A7DA-076F5DD26030}" type="datetimeFigureOut">
               <a:rPr lang="en-US" smtClean="0"/>
-              <a:t>7/6/2019</a:t>
+              <a:t>7/7/2019</a:t>
             </a:fld>
             <a:endParaRPr lang="en-US"/>
           </a:p>
@@ -2493,7 +2493,7 @@
           <a:p>
             <a:fld id="{86CB87AA-9B5D-BB42-A7DA-076F5DD26030}" type="datetimeFigureOut">
               <a:rPr lang="en-US" smtClean="0"/>
-              <a:t>7/6/2019</a:t>
+              <a:t>7/7/2019</a:t>
             </a:fld>
             <a:endParaRPr lang="en-US"/>
           </a:p>
@@ -2852,7 +2852,7 @@
           <a:p>
             <a:fld id="{86CB87AA-9B5D-BB42-A7DA-076F5DD26030}" type="datetimeFigureOut">
               <a:rPr lang="en-US" smtClean="0"/>
-              <a:t>7/6/2019</a:t>
+              <a:t>7/7/2019</a:t>
             </a:fld>
             <a:endParaRPr lang="en-US"/>
           </a:p>
@@ -2964,7 +2964,7 @@
           <a:p>
             <a:fld id="{86CB87AA-9B5D-BB42-A7DA-076F5DD26030}" type="datetimeFigureOut">
               <a:rPr lang="en-US" smtClean="0"/>
-              <a:t>7/6/2019</a:t>
+              <a:t>7/7/2019</a:t>
             </a:fld>
             <a:endParaRPr lang="en-US"/>
           </a:p>
@@ -3054,7 +3054,7 @@
           <a:p>
             <a:fld id="{86CB87AA-9B5D-BB42-A7DA-076F5DD26030}" type="datetimeFigureOut">
               <a:rPr lang="en-US" smtClean="0"/>
-              <a:t>7/6/2019</a:t>
+              <a:t>7/7/2019</a:t>
             </a:fld>
             <a:endParaRPr lang="en-US"/>
           </a:p>
@@ -3324,7 +3324,7 @@
           <a:p>
             <a:fld id="{86CB87AA-9B5D-BB42-A7DA-076F5DD26030}" type="datetimeFigureOut">
               <a:rPr lang="en-US" smtClean="0"/>
-              <a:t>7/6/2019</a:t>
+              <a:t>7/7/2019</a:t>
             </a:fld>
             <a:endParaRPr lang="en-US"/>
           </a:p>
@@ -3574,7 +3574,7 @@
           <a:p>
             <a:fld id="{86CB87AA-9B5D-BB42-A7DA-076F5DD26030}" type="datetimeFigureOut">
               <a:rPr lang="en-US" smtClean="0"/>
-              <a:t>7/6/2019</a:t>
+              <a:t>7/7/2019</a:t>
             </a:fld>
             <a:endParaRPr lang="en-US"/>
           </a:p>
@@ -3783,7 +3783,7 @@
           <a:p>
             <a:fld id="{86CB87AA-9B5D-BB42-A7DA-076F5DD26030}" type="datetimeFigureOut">
               <a:rPr lang="en-US" smtClean="0"/>
-              <a:t>7/6/2019</a:t>
+              <a:t>7/7/2019</a:t>
             </a:fld>
             <a:endParaRPr lang="en-US"/>
           </a:p>
@@ -7251,6 +7251,14 @@
                 </a:solidFill>
               </a:rPr>
             </a:br>
+            <a:r>
+              <a:rPr lang="en-GB" sz="2400" dirty="0">
+                <a:solidFill>
+                  <a:srgbClr val="1E4F77"/>
+                </a:solidFill>
+              </a:rPr>
+              <a:t/>
+            </a:r>
             <a:br>
               <a:rPr lang="en-GB" sz="2400" dirty="0">
                 <a:solidFill>
@@ -7326,6 +7334,14 @@
               </a:rPr>
               <a:t>- Simple statistics (correlation &amp; t-test) done properly</a:t>
             </a:r>
+            <a:r>
+              <a:rPr lang="en-GB" sz="2400" dirty="0">
+                <a:solidFill>
+                  <a:srgbClr val="1E4F77"/>
+                </a:solidFill>
+              </a:rPr>
+              <a:t/>
+            </a:r>
             <a:br>
               <a:rPr lang="en-GB" sz="2400" dirty="0">
                 <a:solidFill>
@@ -7333,6 +7349,14 @@
                 </a:solidFill>
               </a:rPr>
             </a:br>
+            <a:r>
+              <a:rPr lang="en-GB" sz="2400" b="1" u="sng" dirty="0">
+                <a:solidFill>
+                  <a:srgbClr val="1E4F77"/>
+                </a:solidFill>
+              </a:rPr>
+              <a:t/>
+            </a:r>
             <a:br>
               <a:rPr lang="en-GB" sz="2400" b="1" u="sng" dirty="0">
                 <a:solidFill>
@@ -7790,14 +7814,6 @@
                 </a:solidFill>
               </a:rPr>
             </a:br>
-            <a:r>
-              <a:rPr lang="en-GB" sz="2000" dirty="0">
-                <a:solidFill>
-                  <a:srgbClr val="1E4F77"/>
-                </a:solidFill>
-              </a:rPr>
-              <a:t>- Doing less well</a:t>
-            </a:r>
             <a:endParaRPr lang="en-US" sz="2200" dirty="0">
               <a:solidFill>
                 <a:srgbClr val="1E4F77"/>
